--- a/05-Một số thư viện mã nguồn mở quan trọng trong khoa học dữ liệu/Tools.pptx
+++ b/05-Một số thư viện mã nguồn mở quan trọng trong khoa học dữ liệu/Tools.pptx
@@ -5,7 +5,7 @@
     <p:sldMasterId id="2147483660" r:id="rId1"/>
   </p:sldMasterIdLst>
   <p:notesMasterIdLst>
-    <p:notesMasterId r:id="rId25"/>
+    <p:notesMasterId r:id="rId33"/>
   </p:notesMasterIdLst>
   <p:sldIdLst>
     <p:sldId id="310" r:id="rId2"/>
@@ -24,13 +24,21 @@
     <p:sldId id="317" r:id="rId15"/>
     <p:sldId id="332" r:id="rId16"/>
     <p:sldId id="318" r:id="rId17"/>
-    <p:sldId id="319" r:id="rId18"/>
-    <p:sldId id="320" r:id="rId19"/>
-    <p:sldId id="321" r:id="rId20"/>
-    <p:sldId id="322" r:id="rId21"/>
-    <p:sldId id="323" r:id="rId22"/>
-    <p:sldId id="324" r:id="rId23"/>
-    <p:sldId id="325" r:id="rId24"/>
+    <p:sldId id="333" r:id="rId18"/>
+    <p:sldId id="319" r:id="rId19"/>
+    <p:sldId id="334" r:id="rId20"/>
+    <p:sldId id="320" r:id="rId21"/>
+    <p:sldId id="335" r:id="rId22"/>
+    <p:sldId id="321" r:id="rId23"/>
+    <p:sldId id="336" r:id="rId24"/>
+    <p:sldId id="322" r:id="rId25"/>
+    <p:sldId id="337" r:id="rId26"/>
+    <p:sldId id="323" r:id="rId27"/>
+    <p:sldId id="338" r:id="rId28"/>
+    <p:sldId id="324" r:id="rId29"/>
+    <p:sldId id="340" r:id="rId30"/>
+    <p:sldId id="325" r:id="rId31"/>
+    <p:sldId id="339" r:id="rId32"/>
   </p:sldIdLst>
   <p:sldSz cx="12192000" cy="6858000"/>
   <p:notesSz cx="6858000" cy="9144000"/>
@@ -129,6 +137,11 @@
       </a:defRPr>
     </a:lvl9pPr>
   </p:defaultTextStyle>
+  <p:extLst>
+    <p:ext uri="{EFAFB233-063F-42B5-8137-9DF3F51BA10A}">
+      <p15:sldGuideLst xmlns:p15="http://schemas.microsoft.com/office/powerpoint/2012/main"/>
+    </p:ext>
+  </p:extLst>
 </p:presentation>
 </file>
 
@@ -5775,10 +5788,78 @@
           <a:bodyPr/>
           <a:lstStyle/>
           <a:p>
+            <a:pPr algn="just"/>
+            <a:r>
+              <a:rPr lang="vi-VN"/>
+              <a:t>PyTorch là một thư viện mã nguồn mở cho học máy và học sâu, nổi bật với tính dễ sử dụng và hỗ trợ tính toán động.</a:t>
+            </a:r>
             <a:endParaRPr lang="en-US"/>
           </a:p>
-        </p:txBody>
-      </p:sp>
+          <a:p>
+            <a:pPr algn="just"/>
+            <a:r>
+              <a:rPr lang="vi-VN"/>
+              <a:t>Nó được ứng dụng rộng rãi trong nghiên cứu AI, xử lý ngôn ngữ tự nhiên, nhận diện hình ảnh, và hệ thống đề xuất.</a:t>
+            </a:r>
+            <a:endParaRPr lang="en-US"/>
+          </a:p>
+          <a:p>
+            <a:pPr algn="just"/>
+            <a:r>
+              <a:rPr lang="vi-VN"/>
+              <a:t>PyTorch hỗ trợ huấn luyện các mạng nơ-ron trên GPU, giúp tăng tốc phát triển và triển khai mô hình AI.</a:t>
+            </a:r>
+            <a:endParaRPr lang="en-US"/>
+          </a:p>
+        </p:txBody>
+      </p:sp>
+      <p:pic>
+        <p:nvPicPr>
+          <p:cNvPr id="1026" name="Picture 2" descr="🔥 PyTorch: It's Python on FIRE! 🔥">
+            <a:extLst>
+              <a:ext uri="{FF2B5EF4-FFF2-40B4-BE49-F238E27FC236}">
+                <a16:creationId xmlns:a16="http://schemas.microsoft.com/office/drawing/2014/main" id="{6CD2F219-0B24-09CC-BD1A-3997B83DFC0C}"/>
+              </a:ext>
+            </a:extLst>
+          </p:cNvPr>
+          <p:cNvPicPr>
+            <a:picLocks noChangeAspect="1" noChangeArrowheads="1"/>
+          </p:cNvPicPr>
+          <p:nvPr/>
+        </p:nvPicPr>
+        <p:blipFill>
+          <a:blip r:embed="rId2">
+            <a:extLst>
+              <a:ext uri="{28A0092B-C50C-407E-A947-70E740481C1C}">
+                <a14:useLocalDpi xmlns:a14="http://schemas.microsoft.com/office/drawing/2010/main" val="0"/>
+              </a:ext>
+            </a:extLst>
+          </a:blip>
+          <a:srcRect/>
+          <a:stretch>
+            <a:fillRect/>
+          </a:stretch>
+        </p:blipFill>
+        <p:spPr bwMode="auto">
+          <a:xfrm>
+            <a:off x="8039100" y="114300"/>
+            <a:ext cx="3629025" cy="1257300"/>
+          </a:xfrm>
+          <a:prstGeom prst="rect">
+            <a:avLst/>
+          </a:prstGeom>
+          <a:noFill/>
+          <a:extLst>
+            <a:ext uri="{909E8E84-426E-40DD-AFC4-6F175D3DCCD1}">
+              <a14:hiddenFill xmlns:a14="http://schemas.microsoft.com/office/drawing/2010/main">
+                <a:solidFill>
+                  <a:srgbClr val="FFFFFF"/>
+                </a:solidFill>
+              </a14:hiddenFill>
+            </a:ext>
+          </a:extLst>
+        </p:spPr>
+      </p:pic>
     </p:spTree>
     <p:extLst>
       <p:ext uri="{BB962C8B-B14F-4D97-AF65-F5344CB8AC3E}">
@@ -5809,63 +5890,70 @@
           <a:chExt cx="0" cy="0"/>
         </a:xfrm>
       </p:grpSpPr>
-      <p:sp>
-        <p:nvSpPr>
-          <p:cNvPr id="2" name="Title 1">
-            <a:extLst>
-              <a:ext uri="{FF2B5EF4-FFF2-40B4-BE49-F238E27FC236}">
-                <a16:creationId xmlns:a16="http://schemas.microsoft.com/office/drawing/2014/main" id="{8DF666D6-BB91-95AB-6C95-81A5AC32C72E}"/>
-              </a:ext>
-            </a:extLst>
-          </p:cNvPr>
-          <p:cNvSpPr>
-            <a:spLocks noGrp="1"/>
-          </p:cNvSpPr>
-          <p:nvPr>
-            <p:ph type="title"/>
-          </p:nvPr>
-        </p:nvSpPr>
-        <p:spPr/>
-        <p:txBody>
-          <a:bodyPr/>
-          <a:lstStyle/>
-          <a:p>
-            <a:r>
-              <a:rPr lang="en-US"/>
-              <a:t>10. Keras</a:t>
-            </a:r>
-          </a:p>
-        </p:txBody>
-      </p:sp>
-      <p:sp>
-        <p:nvSpPr>
-          <p:cNvPr id="3" name="Content Placeholder 2">
-            <a:extLst>
-              <a:ext uri="{FF2B5EF4-FFF2-40B4-BE49-F238E27FC236}">
-                <a16:creationId xmlns:a16="http://schemas.microsoft.com/office/drawing/2014/main" id="{9A1A3F59-77FD-BD19-29CD-5853F0902283}"/>
-              </a:ext>
-            </a:extLst>
-          </p:cNvPr>
-          <p:cNvSpPr>
-            <a:spLocks noGrp="1"/>
-          </p:cNvSpPr>
-          <p:nvPr>
-            <p:ph idx="1"/>
-          </p:nvPr>
-        </p:nvSpPr>
-        <p:spPr/>
-        <p:txBody>
-          <a:bodyPr/>
-          <a:lstStyle/>
-          <a:p>
-            <a:endParaRPr lang="en-US"/>
-          </a:p>
-        </p:txBody>
-      </p:sp>
+      <p:pic>
+        <p:nvPicPr>
+          <p:cNvPr id="5" name="Picture 4">
+            <a:extLst>
+              <a:ext uri="{FF2B5EF4-FFF2-40B4-BE49-F238E27FC236}">
+                <a16:creationId xmlns:a16="http://schemas.microsoft.com/office/drawing/2014/main" id="{0DAEEBD4-1D87-DD4D-C127-1E071CF4CB95}"/>
+              </a:ext>
+            </a:extLst>
+          </p:cNvPr>
+          <p:cNvPicPr>
+            <a:picLocks noChangeAspect="1"/>
+          </p:cNvPicPr>
+          <p:nvPr/>
+        </p:nvPicPr>
+        <p:blipFill>
+          <a:blip r:embed="rId2"/>
+          <a:stretch>
+            <a:fillRect/>
+          </a:stretch>
+        </p:blipFill>
+        <p:spPr>
+          <a:xfrm>
+            <a:off x="342900" y="495300"/>
+            <a:ext cx="5558950" cy="5867400"/>
+          </a:xfrm>
+          <a:prstGeom prst="rect">
+            <a:avLst/>
+          </a:prstGeom>
+        </p:spPr>
+      </p:pic>
+      <p:pic>
+        <p:nvPicPr>
+          <p:cNvPr id="7" name="Picture 6">
+            <a:extLst>
+              <a:ext uri="{FF2B5EF4-FFF2-40B4-BE49-F238E27FC236}">
+                <a16:creationId xmlns:a16="http://schemas.microsoft.com/office/drawing/2014/main" id="{F31C6B5F-3E0C-BFB3-D937-21D5F6C148F3}"/>
+              </a:ext>
+            </a:extLst>
+          </p:cNvPr>
+          <p:cNvPicPr>
+            <a:picLocks noChangeAspect="1"/>
+          </p:cNvPicPr>
+          <p:nvPr/>
+        </p:nvPicPr>
+        <p:blipFill>
+          <a:blip r:embed="rId3"/>
+          <a:stretch>
+            <a:fillRect/>
+          </a:stretch>
+        </p:blipFill>
+        <p:spPr>
+          <a:xfrm>
+            <a:off x="5950228" y="495300"/>
+            <a:ext cx="5860320" cy="3467100"/>
+          </a:xfrm>
+          <a:prstGeom prst="rect">
+            <a:avLst/>
+          </a:prstGeom>
+        </p:spPr>
+      </p:pic>
     </p:spTree>
     <p:extLst>
       <p:ext uri="{BB962C8B-B14F-4D97-AF65-F5344CB8AC3E}">
-        <p14:creationId xmlns:p14="http://schemas.microsoft.com/office/powerpoint/2010/main" val="4089964832"/>
+        <p14:creationId xmlns:p14="http://schemas.microsoft.com/office/powerpoint/2010/main" val="3501560143"/>
       </p:ext>
     </p:extLst>
   </p:cSld>
@@ -5915,7 +6003,7 @@
           <a:p>
             <a:r>
               <a:rPr lang="en-US"/>
-              <a:t>11. NLTK (Natural Language Toolkit)</a:t>
+              <a:t>9. Keras</a:t>
             </a:r>
           </a:p>
         </p:txBody>
@@ -5941,14 +6029,82 @@
           <a:bodyPr/>
           <a:lstStyle/>
           <a:p>
+            <a:pPr algn="just"/>
+            <a:r>
+              <a:rPr lang="vi-VN"/>
+              <a:t>Keras là một thư viện mã nguồn mở cho học sâu, được phát triển để đơn giản hóa việc xây dựng và huấn luyện các mô hình mạng nơ-ron.</a:t>
+            </a:r>
             <a:endParaRPr lang="en-US"/>
           </a:p>
-        </p:txBody>
-      </p:sp>
+          <a:p>
+            <a:pPr algn="just"/>
+            <a:r>
+              <a:rPr lang="vi-VN"/>
+              <a:t> Nó cung cấp giao diện thân thiện và dễ sử dụng, cho phép người dùng nhanh chóng triển khai các mô hình phức tạp trong các lĩnh vực như nhận diện hình ảnh, xử lý ngôn ngữ tự nhiên và học máy. </a:t>
+            </a:r>
+            <a:endParaRPr lang="en-US"/>
+          </a:p>
+          <a:p>
+            <a:pPr algn="just"/>
+            <a:r>
+              <a:rPr lang="vi-VN"/>
+              <a:t>Keras có thể chạy trên TensorFlow, Theano hoặc Microsoft CNTK, giúp tối ưu hóa hiệu suất và tính linh hoạt trong việc phát triển ứng dụng AI.</a:t>
+            </a:r>
+            <a:endParaRPr lang="en-US"/>
+          </a:p>
+        </p:txBody>
+      </p:sp>
+      <p:pic>
+        <p:nvPicPr>
+          <p:cNvPr id="2050" name="Picture 2" descr="Keras: Deep Learning for humans">
+            <a:extLst>
+              <a:ext uri="{FF2B5EF4-FFF2-40B4-BE49-F238E27FC236}">
+                <a16:creationId xmlns:a16="http://schemas.microsoft.com/office/drawing/2014/main" id="{FBC13950-2E5A-4774-A5DA-116F45C19AEC}"/>
+              </a:ext>
+            </a:extLst>
+          </p:cNvPr>
+          <p:cNvPicPr>
+            <a:picLocks noChangeAspect="1" noChangeArrowheads="1"/>
+          </p:cNvPicPr>
+          <p:nvPr/>
+        </p:nvPicPr>
+        <p:blipFill>
+          <a:blip r:embed="rId2">
+            <a:extLst>
+              <a:ext uri="{28A0092B-C50C-407E-A947-70E740481C1C}">
+                <a14:useLocalDpi xmlns:a14="http://schemas.microsoft.com/office/drawing/2010/main" val="0"/>
+              </a:ext>
+            </a:extLst>
+          </a:blip>
+          <a:srcRect/>
+          <a:stretch>
+            <a:fillRect/>
+          </a:stretch>
+        </p:blipFill>
+        <p:spPr bwMode="auto">
+          <a:xfrm>
+            <a:off x="8953500" y="346075"/>
+            <a:ext cx="2693276" cy="781050"/>
+          </a:xfrm>
+          <a:prstGeom prst="rect">
+            <a:avLst/>
+          </a:prstGeom>
+          <a:noFill/>
+          <a:extLst>
+            <a:ext uri="{909E8E84-426E-40DD-AFC4-6F175D3DCCD1}">
+              <a14:hiddenFill xmlns:a14="http://schemas.microsoft.com/office/drawing/2010/main">
+                <a:solidFill>
+                  <a:srgbClr val="FFFFFF"/>
+                </a:solidFill>
+              </a14:hiddenFill>
+            </a:ext>
+          </a:extLst>
+        </p:spPr>
+      </p:pic>
     </p:spTree>
     <p:extLst>
       <p:ext uri="{BB962C8B-B14F-4D97-AF65-F5344CB8AC3E}">
-        <p14:creationId xmlns:p14="http://schemas.microsoft.com/office/powerpoint/2010/main" val="2039978170"/>
+        <p14:creationId xmlns:p14="http://schemas.microsoft.com/office/powerpoint/2010/main" val="4089964832"/>
       </p:ext>
     </p:extLst>
   </p:cSld>
@@ -5975,63 +6131,40 @@
           <a:chExt cx="0" cy="0"/>
         </a:xfrm>
       </p:grpSpPr>
-      <p:sp>
-        <p:nvSpPr>
-          <p:cNvPr id="2" name="Title 1">
-            <a:extLst>
-              <a:ext uri="{FF2B5EF4-FFF2-40B4-BE49-F238E27FC236}">
-                <a16:creationId xmlns:a16="http://schemas.microsoft.com/office/drawing/2014/main" id="{8DF666D6-BB91-95AB-6C95-81A5AC32C72E}"/>
-              </a:ext>
-            </a:extLst>
-          </p:cNvPr>
-          <p:cNvSpPr>
-            <a:spLocks noGrp="1"/>
-          </p:cNvSpPr>
-          <p:nvPr>
-            <p:ph type="title"/>
-          </p:nvPr>
-        </p:nvSpPr>
-        <p:spPr/>
-        <p:txBody>
-          <a:bodyPr/>
-          <a:lstStyle/>
-          <a:p>
-            <a:r>
-              <a:rPr lang="en-US"/>
-              <a:t>12. Gensim</a:t>
-            </a:r>
-          </a:p>
-        </p:txBody>
-      </p:sp>
-      <p:sp>
-        <p:nvSpPr>
-          <p:cNvPr id="3" name="Content Placeholder 2">
-            <a:extLst>
-              <a:ext uri="{FF2B5EF4-FFF2-40B4-BE49-F238E27FC236}">
-                <a16:creationId xmlns:a16="http://schemas.microsoft.com/office/drawing/2014/main" id="{9A1A3F59-77FD-BD19-29CD-5853F0902283}"/>
-              </a:ext>
-            </a:extLst>
-          </p:cNvPr>
-          <p:cNvSpPr>
-            <a:spLocks noGrp="1"/>
-          </p:cNvSpPr>
-          <p:nvPr>
-            <p:ph idx="1"/>
-          </p:nvPr>
-        </p:nvSpPr>
-        <p:spPr/>
-        <p:txBody>
-          <a:bodyPr/>
-          <a:lstStyle/>
-          <a:p>
-            <a:endParaRPr lang="en-US"/>
-          </a:p>
-        </p:txBody>
-      </p:sp>
+      <p:pic>
+        <p:nvPicPr>
+          <p:cNvPr id="5" name="Picture 4">
+            <a:extLst>
+              <a:ext uri="{FF2B5EF4-FFF2-40B4-BE49-F238E27FC236}">
+                <a16:creationId xmlns:a16="http://schemas.microsoft.com/office/drawing/2014/main" id="{A397F34B-88FA-CD09-B99A-1BDC4B765192}"/>
+              </a:ext>
+            </a:extLst>
+          </p:cNvPr>
+          <p:cNvPicPr>
+            <a:picLocks noChangeAspect="1"/>
+          </p:cNvPicPr>
+          <p:nvPr/>
+        </p:nvPicPr>
+        <p:blipFill>
+          <a:blip r:embed="rId2"/>
+          <a:stretch>
+            <a:fillRect/>
+          </a:stretch>
+        </p:blipFill>
+        <p:spPr>
+          <a:xfrm>
+            <a:off x="457200" y="304800"/>
+            <a:ext cx="7200900" cy="6109187"/>
+          </a:xfrm>
+          <a:prstGeom prst="rect">
+            <a:avLst/>
+          </a:prstGeom>
+        </p:spPr>
+      </p:pic>
     </p:spTree>
     <p:extLst>
       <p:ext uri="{BB962C8B-B14F-4D97-AF65-F5344CB8AC3E}">
-        <p14:creationId xmlns:p14="http://schemas.microsoft.com/office/powerpoint/2010/main" val="4214741074"/>
+        <p14:creationId xmlns:p14="http://schemas.microsoft.com/office/powerpoint/2010/main" val="3018079150"/>
       </p:ext>
     </p:extLst>
   </p:cSld>
@@ -6479,7 +6612,7 @@
           <a:p>
             <a:r>
               <a:rPr lang="en-US"/>
-              <a:t>13. OpenCV</a:t>
+              <a:t>11. NLTK (Natural Language Toolkit)</a:t>
             </a:r>
           </a:p>
         </p:txBody>
@@ -6502,17 +6635,87 @@
         </p:nvSpPr>
         <p:spPr/>
         <p:txBody>
-          <a:bodyPr/>
-          <a:lstStyle/>
-          <a:p>
+          <a:bodyPr>
+            <a:normAutofit lnSpcReduction="10000"/>
+          </a:bodyPr>
+          <a:lstStyle/>
+          <a:p>
+            <a:pPr algn="just"/>
+            <a:r>
+              <a:rPr lang="vi-VN"/>
+              <a:t>NLTK (Natural Language Toolkit) là một thư viện mã nguồn mở cho Python, cung cấp các công cụ và tài nguyên để xử lý ngôn ngữ tự nhiên.</a:t>
+            </a:r>
             <a:endParaRPr lang="en-US"/>
           </a:p>
-        </p:txBody>
-      </p:sp>
+          <a:p>
+            <a:pPr algn="just"/>
+            <a:r>
+              <a:rPr lang="vi-VN"/>
+              <a:t>Nó cho phép người dùng thực hiện các tác vụ như phân tích cú pháp, gán nhãn từ loại, phân tích cảm xúc và tách từ. NLTK được ứng dụng rộng rãi trong các nghiên cứu về ngôn ngữ, phát triển ứng dụng chatbot, và xây dựng các hệ thống thông minh xử lý văn bản.</a:t>
+            </a:r>
+            <a:endParaRPr lang="en-US"/>
+          </a:p>
+          <a:p>
+            <a:pPr algn="just"/>
+            <a:r>
+              <a:rPr lang="vi-VN"/>
+              <a:t>Thư viện này cung cấp một bộ sưu tập lớn các dữ liệu và tài nguyên giúp hỗ trợ việc học và nghiên cứu trong lĩnh vực ngôn ngữ tự nhiên.</a:t>
+            </a:r>
+            <a:endParaRPr lang="en-US"/>
+          </a:p>
+        </p:txBody>
+      </p:sp>
+      <p:pic>
+        <p:nvPicPr>
+          <p:cNvPr id="3074" name="Picture 2" descr="GitHub - Navayuvan-SB/NLTK-: NLP using python">
+            <a:extLst>
+              <a:ext uri="{FF2B5EF4-FFF2-40B4-BE49-F238E27FC236}">
+                <a16:creationId xmlns:a16="http://schemas.microsoft.com/office/drawing/2014/main" id="{CEF35E84-E615-2552-5D1C-368AAF2FD752}"/>
+              </a:ext>
+            </a:extLst>
+          </p:cNvPr>
+          <p:cNvPicPr>
+            <a:picLocks noChangeAspect="1" noChangeArrowheads="1"/>
+          </p:cNvPicPr>
+          <p:nvPr/>
+        </p:nvPicPr>
+        <p:blipFill>
+          <a:blip r:embed="rId2">
+            <a:extLst>
+              <a:ext uri="{28A0092B-C50C-407E-A947-70E740481C1C}">
+                <a14:useLocalDpi xmlns:a14="http://schemas.microsoft.com/office/drawing/2010/main" val="0"/>
+              </a:ext>
+            </a:extLst>
+          </a:blip>
+          <a:srcRect/>
+          <a:stretch>
+            <a:fillRect/>
+          </a:stretch>
+        </p:blipFill>
+        <p:spPr bwMode="auto">
+          <a:xfrm>
+            <a:off x="9877425" y="365125"/>
+            <a:ext cx="1504950" cy="752475"/>
+          </a:xfrm>
+          <a:prstGeom prst="rect">
+            <a:avLst/>
+          </a:prstGeom>
+          <a:noFill/>
+          <a:extLst>
+            <a:ext uri="{909E8E84-426E-40DD-AFC4-6F175D3DCCD1}">
+              <a14:hiddenFill xmlns:a14="http://schemas.microsoft.com/office/drawing/2010/main">
+                <a:solidFill>
+                  <a:srgbClr val="FFFFFF"/>
+                </a:solidFill>
+              </a14:hiddenFill>
+            </a:ext>
+          </a:extLst>
+        </p:spPr>
+      </p:pic>
     </p:spTree>
     <p:extLst>
       <p:ext uri="{BB962C8B-B14F-4D97-AF65-F5344CB8AC3E}">
-        <p14:creationId xmlns:p14="http://schemas.microsoft.com/office/powerpoint/2010/main" val="2840874353"/>
+        <p14:creationId xmlns:p14="http://schemas.microsoft.com/office/powerpoint/2010/main" val="2039978170"/>
       </p:ext>
     </p:extLst>
   </p:cSld>
@@ -6539,63 +6742,40 @@
           <a:chExt cx="0" cy="0"/>
         </a:xfrm>
       </p:grpSpPr>
-      <p:sp>
-        <p:nvSpPr>
-          <p:cNvPr id="2" name="Title 1">
-            <a:extLst>
-              <a:ext uri="{FF2B5EF4-FFF2-40B4-BE49-F238E27FC236}">
-                <a16:creationId xmlns:a16="http://schemas.microsoft.com/office/drawing/2014/main" id="{8DF666D6-BB91-95AB-6C95-81A5AC32C72E}"/>
-              </a:ext>
-            </a:extLst>
-          </p:cNvPr>
-          <p:cNvSpPr>
-            <a:spLocks noGrp="1"/>
-          </p:cNvSpPr>
-          <p:nvPr>
-            <p:ph type="title"/>
-          </p:nvPr>
-        </p:nvSpPr>
-        <p:spPr/>
-        <p:txBody>
-          <a:bodyPr/>
-          <a:lstStyle/>
-          <a:p>
-            <a:r>
-              <a:rPr lang="en-US"/>
-              <a:t>14. XGBoost</a:t>
-            </a:r>
-          </a:p>
-        </p:txBody>
-      </p:sp>
-      <p:sp>
-        <p:nvSpPr>
-          <p:cNvPr id="3" name="Content Placeholder 2">
-            <a:extLst>
-              <a:ext uri="{FF2B5EF4-FFF2-40B4-BE49-F238E27FC236}">
-                <a16:creationId xmlns:a16="http://schemas.microsoft.com/office/drawing/2014/main" id="{9A1A3F59-77FD-BD19-29CD-5853F0902283}"/>
-              </a:ext>
-            </a:extLst>
-          </p:cNvPr>
-          <p:cNvSpPr>
-            <a:spLocks noGrp="1"/>
-          </p:cNvSpPr>
-          <p:nvPr>
-            <p:ph idx="1"/>
-          </p:nvPr>
-        </p:nvSpPr>
-        <p:spPr/>
-        <p:txBody>
-          <a:bodyPr/>
-          <a:lstStyle/>
-          <a:p>
-            <a:endParaRPr lang="en-US"/>
-          </a:p>
-        </p:txBody>
-      </p:sp>
+      <p:pic>
+        <p:nvPicPr>
+          <p:cNvPr id="5" name="Picture 4">
+            <a:extLst>
+              <a:ext uri="{FF2B5EF4-FFF2-40B4-BE49-F238E27FC236}">
+                <a16:creationId xmlns:a16="http://schemas.microsoft.com/office/drawing/2014/main" id="{A48F8337-4A6F-7746-4E7E-81E393271B5D}"/>
+              </a:ext>
+            </a:extLst>
+          </p:cNvPr>
+          <p:cNvPicPr>
+            <a:picLocks noChangeAspect="1"/>
+          </p:cNvPicPr>
+          <p:nvPr/>
+        </p:nvPicPr>
+        <p:blipFill>
+          <a:blip r:embed="rId2"/>
+          <a:stretch>
+            <a:fillRect/>
+          </a:stretch>
+        </p:blipFill>
+        <p:spPr>
+          <a:xfrm>
+            <a:off x="184240" y="533400"/>
+            <a:ext cx="11823520" cy="5943600"/>
+          </a:xfrm>
+          <a:prstGeom prst="rect">
+            <a:avLst/>
+          </a:prstGeom>
+        </p:spPr>
+      </p:pic>
     </p:spTree>
     <p:extLst>
       <p:ext uri="{BB962C8B-B14F-4D97-AF65-F5344CB8AC3E}">
-        <p14:creationId xmlns:p14="http://schemas.microsoft.com/office/powerpoint/2010/main" val="1877990001"/>
+        <p14:creationId xmlns:p14="http://schemas.microsoft.com/office/powerpoint/2010/main" val="2685450586"/>
       </p:ext>
     </p:extLst>
   </p:cSld>
@@ -6645,7 +6825,7 @@
           <a:p>
             <a:r>
               <a:rPr lang="en-US"/>
-              <a:t>15. LightGBM</a:t>
+              <a:t>12. Gensim</a:t>
             </a:r>
           </a:p>
         </p:txBody>
@@ -6668,17 +6848,87 @@
         </p:nvSpPr>
         <p:spPr/>
         <p:txBody>
-          <a:bodyPr/>
-          <a:lstStyle/>
-          <a:p>
+          <a:bodyPr>
+            <a:normAutofit lnSpcReduction="10000"/>
+          </a:bodyPr>
+          <a:lstStyle/>
+          <a:p>
+            <a:pPr algn="just"/>
+            <a:r>
+              <a:rPr lang="vi-VN"/>
+              <a:t>Gensim là một thư viện mã nguồn mở cho Python, chuyên về xử lý ngôn ngữ tự nhiên và học máy, đặc biệt trong việc phân tích văn bản và mô hình hóa chủ đề. </a:t>
+            </a:r>
             <a:endParaRPr lang="en-US"/>
           </a:p>
-        </p:txBody>
-      </p:sp>
+          <a:p>
+            <a:pPr algn="just"/>
+            <a:r>
+              <a:rPr lang="vi-VN"/>
+              <a:t>Nó hỗ trợ các tác vụ như trích xuất đặc trưng từ văn bản, xây dựng mô hình nhúng từ (word embeddings) như Word2Vec và FastText, và thực hiện phân tích chủ đề với LDA (Latent Dirichlet Allocation).</a:t>
+            </a:r>
+            <a:endParaRPr lang="en-US"/>
+          </a:p>
+          <a:p>
+            <a:pPr algn="just"/>
+            <a:r>
+              <a:rPr lang="vi-VN"/>
+              <a:t>Gensim được ứng dụng rộng rãi trong việc xây dựng hệ thống gợi ý, phân tích cảm xúc, và khám phá thông tin từ các tập dữ liệu văn bản lớn. Thư viện này nổi bật với khả năng xử lý các tập dữ liệu lớn mà không cần tải toàn bộ vào bộ nhớ.</a:t>
+            </a:r>
+            <a:endParaRPr lang="en-US"/>
+          </a:p>
+        </p:txBody>
+      </p:sp>
+      <p:pic>
+        <p:nvPicPr>
+          <p:cNvPr id="4098" name="Picture 2" descr="GitHub - piskvorky/gensim: Topic Modelling for Humans">
+            <a:extLst>
+              <a:ext uri="{FF2B5EF4-FFF2-40B4-BE49-F238E27FC236}">
+                <a16:creationId xmlns:a16="http://schemas.microsoft.com/office/drawing/2014/main" id="{D04337B2-80C6-1406-93DC-76488C3FAC57}"/>
+              </a:ext>
+            </a:extLst>
+          </p:cNvPr>
+          <p:cNvPicPr>
+            <a:picLocks noChangeAspect="1" noChangeArrowheads="1"/>
+          </p:cNvPicPr>
+          <p:nvPr/>
+        </p:nvPicPr>
+        <p:blipFill>
+          <a:blip r:embed="rId2">
+            <a:extLst>
+              <a:ext uri="{28A0092B-C50C-407E-A947-70E740481C1C}">
+                <a14:useLocalDpi xmlns:a14="http://schemas.microsoft.com/office/drawing/2010/main" val="0"/>
+              </a:ext>
+            </a:extLst>
+          </a:blip>
+          <a:srcRect/>
+          <a:stretch>
+            <a:fillRect/>
+          </a:stretch>
+        </p:blipFill>
+        <p:spPr bwMode="auto">
+          <a:xfrm>
+            <a:off x="9639300" y="341311"/>
+            <a:ext cx="1889128" cy="944564"/>
+          </a:xfrm>
+          <a:prstGeom prst="rect">
+            <a:avLst/>
+          </a:prstGeom>
+          <a:noFill/>
+          <a:extLst>
+            <a:ext uri="{909E8E84-426E-40DD-AFC4-6F175D3DCCD1}">
+              <a14:hiddenFill xmlns:a14="http://schemas.microsoft.com/office/drawing/2010/main">
+                <a:solidFill>
+                  <a:srgbClr val="FFFFFF"/>
+                </a:solidFill>
+              </a14:hiddenFill>
+            </a:ext>
+          </a:extLst>
+        </p:spPr>
+      </p:pic>
     </p:spTree>
     <p:extLst>
       <p:ext uri="{BB962C8B-B14F-4D97-AF65-F5344CB8AC3E}">
-        <p14:creationId xmlns:p14="http://schemas.microsoft.com/office/powerpoint/2010/main" val="3378170601"/>
+        <p14:creationId xmlns:p14="http://schemas.microsoft.com/office/powerpoint/2010/main" val="4214741074"/>
       </p:ext>
     </p:extLst>
   </p:cSld>
@@ -6705,63 +6955,793 @@
           <a:chExt cx="0" cy="0"/>
         </a:xfrm>
       </p:grpSpPr>
-      <p:sp>
-        <p:nvSpPr>
-          <p:cNvPr id="2" name="Title 1">
-            <a:extLst>
-              <a:ext uri="{FF2B5EF4-FFF2-40B4-BE49-F238E27FC236}">
-                <a16:creationId xmlns:a16="http://schemas.microsoft.com/office/drawing/2014/main" id="{8DF666D6-BB91-95AB-6C95-81A5AC32C72E}"/>
-              </a:ext>
-            </a:extLst>
-          </p:cNvPr>
-          <p:cNvSpPr>
-            <a:spLocks noGrp="1"/>
-          </p:cNvSpPr>
-          <p:nvPr>
-            <p:ph type="title"/>
-          </p:nvPr>
-        </p:nvSpPr>
-        <p:spPr/>
-        <p:txBody>
-          <a:bodyPr/>
-          <a:lstStyle/>
-          <a:p>
-            <a:r>
-              <a:rPr lang="en-US"/>
-              <a:t>16. Statsmodels</a:t>
-            </a:r>
-          </a:p>
-        </p:txBody>
-      </p:sp>
-      <p:sp>
-        <p:nvSpPr>
-          <p:cNvPr id="3" name="Content Placeholder 2">
-            <a:extLst>
-              <a:ext uri="{FF2B5EF4-FFF2-40B4-BE49-F238E27FC236}">
-                <a16:creationId xmlns:a16="http://schemas.microsoft.com/office/drawing/2014/main" id="{9A1A3F59-77FD-BD19-29CD-5853F0902283}"/>
-              </a:ext>
-            </a:extLst>
-          </p:cNvPr>
-          <p:cNvSpPr>
-            <a:spLocks noGrp="1"/>
-          </p:cNvSpPr>
-          <p:nvPr>
-            <p:ph idx="1"/>
-          </p:nvPr>
-        </p:nvSpPr>
-        <p:spPr/>
-        <p:txBody>
-          <a:bodyPr/>
-          <a:lstStyle/>
-          <a:p>
-            <a:endParaRPr lang="en-US"/>
-          </a:p>
-        </p:txBody>
-      </p:sp>
+      <p:pic>
+        <p:nvPicPr>
+          <p:cNvPr id="5" name="Picture 4">
+            <a:extLst>
+              <a:ext uri="{FF2B5EF4-FFF2-40B4-BE49-F238E27FC236}">
+                <a16:creationId xmlns:a16="http://schemas.microsoft.com/office/drawing/2014/main" id="{2AF2A765-1AE0-B74B-99AD-27A736BF9F95}"/>
+              </a:ext>
+            </a:extLst>
+          </p:cNvPr>
+          <p:cNvPicPr>
+            <a:picLocks noChangeAspect="1"/>
+          </p:cNvPicPr>
+          <p:nvPr/>
+        </p:nvPicPr>
+        <p:blipFill>
+          <a:blip r:embed="rId2"/>
+          <a:stretch>
+            <a:fillRect/>
+          </a:stretch>
+        </p:blipFill>
+        <p:spPr>
+          <a:xfrm>
+            <a:off x="533400" y="228600"/>
+            <a:ext cx="6849053" cy="5628820"/>
+          </a:xfrm>
+          <a:prstGeom prst="rect">
+            <a:avLst/>
+          </a:prstGeom>
+        </p:spPr>
+      </p:pic>
     </p:spTree>
     <p:extLst>
       <p:ext uri="{BB962C8B-B14F-4D97-AF65-F5344CB8AC3E}">
-        <p14:creationId xmlns:p14="http://schemas.microsoft.com/office/powerpoint/2010/main" val="3189822942"/>
+        <p14:creationId xmlns:p14="http://schemas.microsoft.com/office/powerpoint/2010/main" val="2591516953"/>
+      </p:ext>
+    </p:extLst>
+  </p:cSld>
+  <p:clrMapOvr>
+    <a:masterClrMapping/>
+  </p:clrMapOvr>
+</p:sld>
+</file>
+
+<file path=ppt/slides/slide24.xml><?xml version="1.0" encoding="utf-8"?>
+<p:sld xmlns:a="http://schemas.openxmlformats.org/drawingml/2006/main" xmlns:r="http://schemas.openxmlformats.org/officeDocument/2006/relationships" xmlns:p="http://schemas.openxmlformats.org/presentationml/2006/main">
+  <p:cSld>
+    <p:spTree>
+      <p:nvGrpSpPr>
+        <p:cNvPr id="1" name=""/>
+        <p:cNvGrpSpPr/>
+        <p:nvPr/>
+      </p:nvGrpSpPr>
+      <p:grpSpPr>
+        <a:xfrm>
+          <a:off x="0" y="0"/>
+          <a:ext cx="0" cy="0"/>
+          <a:chOff x="0" y="0"/>
+          <a:chExt cx="0" cy="0"/>
+        </a:xfrm>
+      </p:grpSpPr>
+      <p:sp>
+        <p:nvSpPr>
+          <p:cNvPr id="2" name="Title 1">
+            <a:extLst>
+              <a:ext uri="{FF2B5EF4-FFF2-40B4-BE49-F238E27FC236}">
+                <a16:creationId xmlns:a16="http://schemas.microsoft.com/office/drawing/2014/main" id="{8DF666D6-BB91-95AB-6C95-81A5AC32C72E}"/>
+              </a:ext>
+            </a:extLst>
+          </p:cNvPr>
+          <p:cNvSpPr>
+            <a:spLocks noGrp="1"/>
+          </p:cNvSpPr>
+          <p:nvPr>
+            <p:ph type="title"/>
+          </p:nvPr>
+        </p:nvSpPr>
+        <p:spPr/>
+        <p:txBody>
+          <a:bodyPr/>
+          <a:lstStyle/>
+          <a:p>
+            <a:r>
+              <a:rPr lang="en-US"/>
+              <a:t>13. OpenCV</a:t>
+            </a:r>
+          </a:p>
+        </p:txBody>
+      </p:sp>
+      <p:sp>
+        <p:nvSpPr>
+          <p:cNvPr id="3" name="Content Placeholder 2">
+            <a:extLst>
+              <a:ext uri="{FF2B5EF4-FFF2-40B4-BE49-F238E27FC236}">
+                <a16:creationId xmlns:a16="http://schemas.microsoft.com/office/drawing/2014/main" id="{9A1A3F59-77FD-BD19-29CD-5853F0902283}"/>
+              </a:ext>
+            </a:extLst>
+          </p:cNvPr>
+          <p:cNvSpPr>
+            <a:spLocks noGrp="1"/>
+          </p:cNvSpPr>
+          <p:nvPr>
+            <p:ph idx="1"/>
+          </p:nvPr>
+        </p:nvSpPr>
+        <p:spPr/>
+        <p:txBody>
+          <a:bodyPr/>
+          <a:lstStyle/>
+          <a:p>
+            <a:pPr algn="just"/>
+            <a:r>
+              <a:rPr lang="vi-VN"/>
+              <a:t>OpenCV (Open Source Computer Vision Library) là một thư viện mã nguồn mở mạnh mẽ cho xử lý ảnh và thị giác máy tính. </a:t>
+            </a:r>
+            <a:endParaRPr lang="en-US"/>
+          </a:p>
+          <a:p>
+            <a:pPr algn="just"/>
+            <a:r>
+              <a:rPr lang="vi-VN"/>
+              <a:t>Nó cung cấp nhiều công cụ và thuật toán để thực hiện các tác vụ như nhận diện khuôn mặt, theo dõi đối tượng, xử lý video, và phân tích hình ảnh. </a:t>
+            </a:r>
+            <a:endParaRPr lang="en-US"/>
+          </a:p>
+          <a:p>
+            <a:pPr algn="just"/>
+            <a:r>
+              <a:rPr lang="vi-VN"/>
+              <a:t>OpenCV được ứng dụng rộng rãi trong các lĩnh vực như robot, nhận diện hình ảnh, thực tế ảo, và các hệ thống an ninh. Thư viện này hỗ trợ nhiều ngôn ngữ lập trình như Python, C++, và Java, giúp phát triển ứng dụng nhanh chóng và hiệu quả.</a:t>
+            </a:r>
+            <a:endParaRPr lang="en-US"/>
+          </a:p>
+        </p:txBody>
+      </p:sp>
+      <p:pic>
+        <p:nvPicPr>
+          <p:cNvPr id="5122" name="Picture 2" descr="Scientific Image Processing with Python OpenCV | RC Learning Portal">
+            <a:extLst>
+              <a:ext uri="{FF2B5EF4-FFF2-40B4-BE49-F238E27FC236}">
+                <a16:creationId xmlns:a16="http://schemas.microsoft.com/office/drawing/2014/main" id="{A2D8397E-9DB8-6655-0D36-5CFDEDDA3BC6}"/>
+              </a:ext>
+            </a:extLst>
+          </p:cNvPr>
+          <p:cNvPicPr>
+            <a:picLocks noChangeAspect="1" noChangeArrowheads="1"/>
+          </p:cNvPicPr>
+          <p:nvPr/>
+        </p:nvPicPr>
+        <p:blipFill>
+          <a:blip r:embed="rId2">
+            <a:extLst>
+              <a:ext uri="{28A0092B-C50C-407E-A947-70E740481C1C}">
+                <a14:useLocalDpi xmlns:a14="http://schemas.microsoft.com/office/drawing/2010/main" val="0"/>
+              </a:ext>
+            </a:extLst>
+          </a:blip>
+          <a:srcRect/>
+          <a:stretch>
+            <a:fillRect/>
+          </a:stretch>
+        </p:blipFill>
+        <p:spPr bwMode="auto">
+          <a:xfrm>
+            <a:off x="8763000" y="365125"/>
+            <a:ext cx="2667000" cy="866635"/>
+          </a:xfrm>
+          <a:prstGeom prst="rect">
+            <a:avLst/>
+          </a:prstGeom>
+          <a:noFill/>
+          <a:extLst>
+            <a:ext uri="{909E8E84-426E-40DD-AFC4-6F175D3DCCD1}">
+              <a14:hiddenFill xmlns:a14="http://schemas.microsoft.com/office/drawing/2010/main">
+                <a:solidFill>
+                  <a:srgbClr val="FFFFFF"/>
+                </a:solidFill>
+              </a14:hiddenFill>
+            </a:ext>
+          </a:extLst>
+        </p:spPr>
+      </p:pic>
+    </p:spTree>
+    <p:extLst>
+      <p:ext uri="{BB962C8B-B14F-4D97-AF65-F5344CB8AC3E}">
+        <p14:creationId xmlns:p14="http://schemas.microsoft.com/office/powerpoint/2010/main" val="2840874353"/>
+      </p:ext>
+    </p:extLst>
+  </p:cSld>
+  <p:clrMapOvr>
+    <a:masterClrMapping/>
+  </p:clrMapOvr>
+</p:sld>
+</file>
+
+<file path=ppt/slides/slide25.xml><?xml version="1.0" encoding="utf-8"?>
+<p:sld xmlns:a="http://schemas.openxmlformats.org/drawingml/2006/main" xmlns:r="http://schemas.openxmlformats.org/officeDocument/2006/relationships" xmlns:p="http://schemas.openxmlformats.org/presentationml/2006/main">
+  <p:cSld>
+    <p:spTree>
+      <p:nvGrpSpPr>
+        <p:cNvPr id="1" name=""/>
+        <p:cNvGrpSpPr/>
+        <p:nvPr/>
+      </p:nvGrpSpPr>
+      <p:grpSpPr>
+        <a:xfrm>
+          <a:off x="0" y="0"/>
+          <a:ext cx="0" cy="0"/>
+          <a:chOff x="0" y="0"/>
+          <a:chExt cx="0" cy="0"/>
+        </a:xfrm>
+      </p:grpSpPr>
+      <p:pic>
+        <p:nvPicPr>
+          <p:cNvPr id="5" name="Picture 4">
+            <a:extLst>
+              <a:ext uri="{FF2B5EF4-FFF2-40B4-BE49-F238E27FC236}">
+                <a16:creationId xmlns:a16="http://schemas.microsoft.com/office/drawing/2014/main" id="{3E51E737-410E-0959-4AC3-352E24E85A8B}"/>
+              </a:ext>
+            </a:extLst>
+          </p:cNvPr>
+          <p:cNvPicPr>
+            <a:picLocks noChangeAspect="1"/>
+          </p:cNvPicPr>
+          <p:nvPr/>
+        </p:nvPicPr>
+        <p:blipFill>
+          <a:blip r:embed="rId2"/>
+          <a:stretch>
+            <a:fillRect/>
+          </a:stretch>
+        </p:blipFill>
+        <p:spPr>
+          <a:xfrm>
+            <a:off x="495300" y="381000"/>
+            <a:ext cx="5835296" cy="3418730"/>
+          </a:xfrm>
+          <a:prstGeom prst="rect">
+            <a:avLst/>
+          </a:prstGeom>
+        </p:spPr>
+      </p:pic>
+      <p:pic>
+        <p:nvPicPr>
+          <p:cNvPr id="7" name="Picture 6">
+            <a:extLst>
+              <a:ext uri="{FF2B5EF4-FFF2-40B4-BE49-F238E27FC236}">
+                <a16:creationId xmlns:a16="http://schemas.microsoft.com/office/drawing/2014/main" id="{D3CBA7AF-2611-C2B2-33E1-B1875676FA09}"/>
+              </a:ext>
+            </a:extLst>
+          </p:cNvPr>
+          <p:cNvPicPr>
+            <a:picLocks noChangeAspect="1"/>
+          </p:cNvPicPr>
+          <p:nvPr/>
+        </p:nvPicPr>
+        <p:blipFill>
+          <a:blip r:embed="rId3"/>
+          <a:stretch>
+            <a:fillRect/>
+          </a:stretch>
+        </p:blipFill>
+        <p:spPr>
+          <a:xfrm>
+            <a:off x="5676315" y="3657600"/>
+            <a:ext cx="6020385" cy="2914413"/>
+          </a:xfrm>
+          <a:prstGeom prst="rect">
+            <a:avLst/>
+          </a:prstGeom>
+        </p:spPr>
+      </p:pic>
+    </p:spTree>
+    <p:extLst>
+      <p:ext uri="{BB962C8B-B14F-4D97-AF65-F5344CB8AC3E}">
+        <p14:creationId xmlns:p14="http://schemas.microsoft.com/office/powerpoint/2010/main" val="3560807183"/>
+      </p:ext>
+    </p:extLst>
+  </p:cSld>
+  <p:clrMapOvr>
+    <a:masterClrMapping/>
+  </p:clrMapOvr>
+</p:sld>
+</file>
+
+<file path=ppt/slides/slide26.xml><?xml version="1.0" encoding="utf-8"?>
+<p:sld xmlns:a="http://schemas.openxmlformats.org/drawingml/2006/main" xmlns:r="http://schemas.openxmlformats.org/officeDocument/2006/relationships" xmlns:p="http://schemas.openxmlformats.org/presentationml/2006/main">
+  <p:cSld>
+    <p:spTree>
+      <p:nvGrpSpPr>
+        <p:cNvPr id="1" name=""/>
+        <p:cNvGrpSpPr/>
+        <p:nvPr/>
+      </p:nvGrpSpPr>
+      <p:grpSpPr>
+        <a:xfrm>
+          <a:off x="0" y="0"/>
+          <a:ext cx="0" cy="0"/>
+          <a:chOff x="0" y="0"/>
+          <a:chExt cx="0" cy="0"/>
+        </a:xfrm>
+      </p:grpSpPr>
+      <p:sp>
+        <p:nvSpPr>
+          <p:cNvPr id="2" name="Title 1">
+            <a:extLst>
+              <a:ext uri="{FF2B5EF4-FFF2-40B4-BE49-F238E27FC236}">
+                <a16:creationId xmlns:a16="http://schemas.microsoft.com/office/drawing/2014/main" id="{8DF666D6-BB91-95AB-6C95-81A5AC32C72E}"/>
+              </a:ext>
+            </a:extLst>
+          </p:cNvPr>
+          <p:cNvSpPr>
+            <a:spLocks noGrp="1"/>
+          </p:cNvSpPr>
+          <p:nvPr>
+            <p:ph type="title"/>
+          </p:nvPr>
+        </p:nvSpPr>
+        <p:spPr/>
+        <p:txBody>
+          <a:bodyPr/>
+          <a:lstStyle/>
+          <a:p>
+            <a:r>
+              <a:rPr lang="en-US"/>
+              <a:t>14. XGBoost</a:t>
+            </a:r>
+          </a:p>
+        </p:txBody>
+      </p:sp>
+      <p:sp>
+        <p:nvSpPr>
+          <p:cNvPr id="3" name="Content Placeholder 2">
+            <a:extLst>
+              <a:ext uri="{FF2B5EF4-FFF2-40B4-BE49-F238E27FC236}">
+                <a16:creationId xmlns:a16="http://schemas.microsoft.com/office/drawing/2014/main" id="{9A1A3F59-77FD-BD19-29CD-5853F0902283}"/>
+              </a:ext>
+            </a:extLst>
+          </p:cNvPr>
+          <p:cNvSpPr>
+            <a:spLocks noGrp="1"/>
+          </p:cNvSpPr>
+          <p:nvPr>
+            <p:ph idx="1"/>
+          </p:nvPr>
+        </p:nvSpPr>
+        <p:spPr/>
+        <p:txBody>
+          <a:bodyPr/>
+          <a:lstStyle/>
+          <a:p>
+            <a:pPr algn="just"/>
+            <a:r>
+              <a:rPr lang="vi-VN"/>
+              <a:t>XGBoost (Extreme Gradient Boosting) là một thư viện mã nguồn mở mạnh mẽ cho học máy, chuyên về thuật toán boosting để cải thiện độ chính xác của mô hình dự đoán.</a:t>
+            </a:r>
+            <a:endParaRPr lang="en-US"/>
+          </a:p>
+          <a:p>
+            <a:pPr algn="just"/>
+            <a:r>
+              <a:rPr lang="vi-VN"/>
+              <a:t>Nó nổi bật với khả năng xử lý nhanh, hiệu quả và giảm thiểu overfitting thông qua các kỹ thuật regularization.</a:t>
+            </a:r>
+            <a:endParaRPr lang="en-US"/>
+          </a:p>
+          <a:p>
+            <a:pPr algn="just"/>
+            <a:r>
+              <a:rPr lang="vi-VN"/>
+              <a:t>XGBoost được ứng dụng rộng rãi trong các bài toán phân loại và hồi quy, đặc biệt là trong các cuộc thi khoa học dữ liệu như Kaggle. Thư viện này cung cấp nhiều tùy chọn tùy chỉnh, cho phép người dùng điều chỉnh các tham số mô hình để tối ưu hóa hiệu suất trong các tập dữ liệu lớn và phức tạp.</a:t>
+            </a:r>
+            <a:endParaRPr lang="en-US"/>
+          </a:p>
+        </p:txBody>
+      </p:sp>
+      <p:pic>
+        <p:nvPicPr>
+          <p:cNvPr id="6146" name="Picture 2" descr="XGBoost: The Superpower of Gradient Boosting - DEV Community">
+            <a:extLst>
+              <a:ext uri="{FF2B5EF4-FFF2-40B4-BE49-F238E27FC236}">
+                <a16:creationId xmlns:a16="http://schemas.microsoft.com/office/drawing/2014/main" id="{2BC629EC-A9DF-1B49-F9EF-95B1D82F7EE0}"/>
+              </a:ext>
+            </a:extLst>
+          </p:cNvPr>
+          <p:cNvPicPr>
+            <a:picLocks noChangeAspect="1" noChangeArrowheads="1"/>
+          </p:cNvPicPr>
+          <p:nvPr/>
+        </p:nvPicPr>
+        <p:blipFill>
+          <a:blip r:embed="rId2">
+            <a:extLst>
+              <a:ext uri="{28A0092B-C50C-407E-A947-70E740481C1C}">
+                <a14:useLocalDpi xmlns:a14="http://schemas.microsoft.com/office/drawing/2010/main" val="0"/>
+              </a:ext>
+            </a:extLst>
+          </a:blip>
+          <a:srcRect/>
+          <a:stretch>
+            <a:fillRect/>
+          </a:stretch>
+        </p:blipFill>
+        <p:spPr bwMode="auto">
+          <a:xfrm>
+            <a:off x="8877300" y="152400"/>
+            <a:ext cx="2857500" cy="1200150"/>
+          </a:xfrm>
+          <a:prstGeom prst="rect">
+            <a:avLst/>
+          </a:prstGeom>
+          <a:noFill/>
+          <a:extLst>
+            <a:ext uri="{909E8E84-426E-40DD-AFC4-6F175D3DCCD1}">
+              <a14:hiddenFill xmlns:a14="http://schemas.microsoft.com/office/drawing/2010/main">
+                <a:solidFill>
+                  <a:srgbClr val="FFFFFF"/>
+                </a:solidFill>
+              </a14:hiddenFill>
+            </a:ext>
+          </a:extLst>
+        </p:spPr>
+      </p:pic>
+    </p:spTree>
+    <p:extLst>
+      <p:ext uri="{BB962C8B-B14F-4D97-AF65-F5344CB8AC3E}">
+        <p14:creationId xmlns:p14="http://schemas.microsoft.com/office/powerpoint/2010/main" val="1877990001"/>
+      </p:ext>
+    </p:extLst>
+  </p:cSld>
+  <p:clrMapOvr>
+    <a:masterClrMapping/>
+  </p:clrMapOvr>
+</p:sld>
+</file>
+
+<file path=ppt/slides/slide27.xml><?xml version="1.0" encoding="utf-8"?>
+<p:sld xmlns:a="http://schemas.openxmlformats.org/drawingml/2006/main" xmlns:r="http://schemas.openxmlformats.org/officeDocument/2006/relationships" xmlns:p="http://schemas.openxmlformats.org/presentationml/2006/main">
+  <p:cSld>
+    <p:spTree>
+      <p:nvGrpSpPr>
+        <p:cNvPr id="1" name=""/>
+        <p:cNvGrpSpPr/>
+        <p:nvPr/>
+      </p:nvGrpSpPr>
+      <p:grpSpPr>
+        <a:xfrm>
+          <a:off x="0" y="0"/>
+          <a:ext cx="0" cy="0"/>
+          <a:chOff x="0" y="0"/>
+          <a:chExt cx="0" cy="0"/>
+        </a:xfrm>
+      </p:grpSpPr>
+      <p:pic>
+        <p:nvPicPr>
+          <p:cNvPr id="7" name="Picture 6">
+            <a:extLst>
+              <a:ext uri="{FF2B5EF4-FFF2-40B4-BE49-F238E27FC236}">
+                <a16:creationId xmlns:a16="http://schemas.microsoft.com/office/drawing/2014/main" id="{AA8A6F9D-7A73-3D44-9452-1622A238F207}"/>
+              </a:ext>
+            </a:extLst>
+          </p:cNvPr>
+          <p:cNvPicPr>
+            <a:picLocks noChangeAspect="1"/>
+          </p:cNvPicPr>
+          <p:nvPr/>
+        </p:nvPicPr>
+        <p:blipFill>
+          <a:blip r:embed="rId2"/>
+          <a:stretch>
+            <a:fillRect/>
+          </a:stretch>
+        </p:blipFill>
+        <p:spPr>
+          <a:xfrm>
+            <a:off x="342900" y="209100"/>
+            <a:ext cx="9240540" cy="6439799"/>
+          </a:xfrm>
+          <a:prstGeom prst="rect">
+            <a:avLst/>
+          </a:prstGeom>
+        </p:spPr>
+      </p:pic>
+    </p:spTree>
+    <p:extLst>
+      <p:ext uri="{BB962C8B-B14F-4D97-AF65-F5344CB8AC3E}">
+        <p14:creationId xmlns:p14="http://schemas.microsoft.com/office/powerpoint/2010/main" val="382072075"/>
+      </p:ext>
+    </p:extLst>
+  </p:cSld>
+  <p:clrMapOvr>
+    <a:masterClrMapping/>
+  </p:clrMapOvr>
+</p:sld>
+</file>
+
+<file path=ppt/slides/slide28.xml><?xml version="1.0" encoding="utf-8"?>
+<p:sld xmlns:a="http://schemas.openxmlformats.org/drawingml/2006/main" xmlns:r="http://schemas.openxmlformats.org/officeDocument/2006/relationships" xmlns:p="http://schemas.openxmlformats.org/presentationml/2006/main">
+  <p:cSld>
+    <p:spTree>
+      <p:nvGrpSpPr>
+        <p:cNvPr id="1" name=""/>
+        <p:cNvGrpSpPr/>
+        <p:nvPr/>
+      </p:nvGrpSpPr>
+      <p:grpSpPr>
+        <a:xfrm>
+          <a:off x="0" y="0"/>
+          <a:ext cx="0" cy="0"/>
+          <a:chOff x="0" y="0"/>
+          <a:chExt cx="0" cy="0"/>
+        </a:xfrm>
+      </p:grpSpPr>
+      <p:sp>
+        <p:nvSpPr>
+          <p:cNvPr id="2" name="Title 1">
+            <a:extLst>
+              <a:ext uri="{FF2B5EF4-FFF2-40B4-BE49-F238E27FC236}">
+                <a16:creationId xmlns:a16="http://schemas.microsoft.com/office/drawing/2014/main" id="{8DF666D6-BB91-95AB-6C95-81A5AC32C72E}"/>
+              </a:ext>
+            </a:extLst>
+          </p:cNvPr>
+          <p:cNvSpPr>
+            <a:spLocks noGrp="1"/>
+          </p:cNvSpPr>
+          <p:nvPr>
+            <p:ph type="title"/>
+          </p:nvPr>
+        </p:nvSpPr>
+        <p:spPr/>
+        <p:txBody>
+          <a:bodyPr/>
+          <a:lstStyle/>
+          <a:p>
+            <a:r>
+              <a:rPr lang="en-US"/>
+              <a:t>15. LightGBM</a:t>
+            </a:r>
+          </a:p>
+        </p:txBody>
+      </p:sp>
+      <p:sp>
+        <p:nvSpPr>
+          <p:cNvPr id="3" name="Content Placeholder 2">
+            <a:extLst>
+              <a:ext uri="{FF2B5EF4-FFF2-40B4-BE49-F238E27FC236}">
+                <a16:creationId xmlns:a16="http://schemas.microsoft.com/office/drawing/2014/main" id="{9A1A3F59-77FD-BD19-29CD-5853F0902283}"/>
+              </a:ext>
+            </a:extLst>
+          </p:cNvPr>
+          <p:cNvSpPr>
+            <a:spLocks noGrp="1"/>
+          </p:cNvSpPr>
+          <p:nvPr>
+            <p:ph idx="1"/>
+          </p:nvPr>
+        </p:nvSpPr>
+        <p:spPr/>
+        <p:txBody>
+          <a:bodyPr>
+            <a:normAutofit fontScale="92500"/>
+          </a:bodyPr>
+          <a:lstStyle/>
+          <a:p>
+            <a:pPr algn="just"/>
+            <a:r>
+              <a:rPr lang="vi-VN"/>
+              <a:t>LightGBM (Light Gradient Boosting Machine) là một thư viện mã nguồn mở cho học máy, được phát triển bởi Microsoft, chuyên về thuật toán boosting với hiệu suất cao và tốc độ nhanh. </a:t>
+            </a:r>
+            <a:endParaRPr lang="en-US"/>
+          </a:p>
+          <a:p>
+            <a:pPr algn="just"/>
+            <a:r>
+              <a:rPr lang="vi-VN"/>
+              <a:t>LightGBM sử dụng phương pháp gradient boosting để xây dựng các mô hình dự đoán, và nổi bật với khả năng xử lý dữ liệu lớn nhờ vào việc sử dụng thuật toán phân tách tối ưu hóa và giảm thiểu bộ nhớ. </a:t>
+            </a:r>
+            <a:endParaRPr lang="en-US"/>
+          </a:p>
+          <a:p>
+            <a:pPr algn="just"/>
+            <a:r>
+              <a:rPr lang="vi-VN"/>
+              <a:t>Nó được ứng dụng rộng rãi trong các bài toán phân loại, hồi quy, và phân tích chuỗi thời gian. LightGBM thường được ưa chuộng trong các cuộc thi khoa học dữ liệu và các dự án yêu cầu tốc độ huấn luyện nhanh và hiệu suất cao trên các tập dữ liệu phức tạp.</a:t>
+            </a:r>
+            <a:endParaRPr lang="en-US"/>
+          </a:p>
+        </p:txBody>
+      </p:sp>
+      <p:sp>
+        <p:nvSpPr>
+          <p:cNvPr id="4" name="AutoShape 2" descr="Welcome to LightGBM's documentation! — LightGBM 4.5.0 documentation">
+            <a:extLst>
+              <a:ext uri="{FF2B5EF4-FFF2-40B4-BE49-F238E27FC236}">
+                <a16:creationId xmlns:a16="http://schemas.microsoft.com/office/drawing/2014/main" id="{5707C1C2-E34B-1BA1-4034-55E1EDC4E997}"/>
+              </a:ext>
+            </a:extLst>
+          </p:cNvPr>
+          <p:cNvSpPr>
+            <a:spLocks noChangeAspect="1" noChangeArrowheads="1"/>
+          </p:cNvSpPr>
+          <p:nvPr/>
+        </p:nvSpPr>
+        <p:spPr bwMode="auto">
+          <a:xfrm>
+            <a:off x="5943600" y="3276600"/>
+            <a:ext cx="304800" cy="304800"/>
+          </a:xfrm>
+          <a:prstGeom prst="rect">
+            <a:avLst/>
+          </a:prstGeom>
+          <a:noFill/>
+          <a:extLst>
+            <a:ext uri="{909E8E84-426E-40DD-AFC4-6F175D3DCCD1}">
+              <a14:hiddenFill xmlns:a14="http://schemas.microsoft.com/office/drawing/2010/main">
+                <a:solidFill>
+                  <a:srgbClr val="FFFFFF"/>
+                </a:solidFill>
+              </a14:hiddenFill>
+            </a:ext>
+          </a:extLst>
+        </p:spPr>
+        <p:txBody>
+          <a:bodyPr vert="horz" wrap="square" lIns="91440" tIns="45720" rIns="91440" bIns="45720" numCol="1" anchor="t" anchorCtr="0" compatLnSpc="1">
+            <a:prstTxWarp prst="textNoShape">
+              <a:avLst/>
+            </a:prstTxWarp>
+          </a:bodyPr>
+          <a:lstStyle/>
+          <a:p>
+            <a:endParaRPr lang="en-US"/>
+          </a:p>
+        </p:txBody>
+      </p:sp>
+      <p:sp>
+        <p:nvSpPr>
+          <p:cNvPr id="5" name="AutoShape 4" descr="Welcome to LightGBM's documentation! — LightGBM 4.5.0 documentation">
+            <a:extLst>
+              <a:ext uri="{FF2B5EF4-FFF2-40B4-BE49-F238E27FC236}">
+                <a16:creationId xmlns:a16="http://schemas.microsoft.com/office/drawing/2014/main" id="{89052125-1139-DC51-4B47-1D856143C9B5}"/>
+              </a:ext>
+            </a:extLst>
+          </p:cNvPr>
+          <p:cNvSpPr>
+            <a:spLocks noChangeAspect="1" noChangeArrowheads="1"/>
+          </p:cNvSpPr>
+          <p:nvPr/>
+        </p:nvSpPr>
+        <p:spPr bwMode="auto">
+          <a:xfrm>
+            <a:off x="6096000" y="3429000"/>
+            <a:ext cx="304800" cy="304800"/>
+          </a:xfrm>
+          <a:prstGeom prst="rect">
+            <a:avLst/>
+          </a:prstGeom>
+          <a:noFill/>
+          <a:extLst>
+            <a:ext uri="{909E8E84-426E-40DD-AFC4-6F175D3DCCD1}">
+              <a14:hiddenFill xmlns:a14="http://schemas.microsoft.com/office/drawing/2010/main">
+                <a:solidFill>
+                  <a:srgbClr val="FFFFFF"/>
+                </a:solidFill>
+              </a14:hiddenFill>
+            </a:ext>
+          </a:extLst>
+        </p:spPr>
+        <p:txBody>
+          <a:bodyPr vert="horz" wrap="square" lIns="91440" tIns="45720" rIns="91440" bIns="45720" numCol="1" anchor="t" anchorCtr="0" compatLnSpc="1">
+            <a:prstTxWarp prst="textNoShape">
+              <a:avLst/>
+            </a:prstTxWarp>
+          </a:bodyPr>
+          <a:lstStyle/>
+          <a:p>
+            <a:endParaRPr lang="en-US"/>
+          </a:p>
+        </p:txBody>
+      </p:sp>
+      <p:pic>
+        <p:nvPicPr>
+          <p:cNvPr id="7174" name="Picture 6" descr="What is Dask?">
+            <a:extLst>
+              <a:ext uri="{FF2B5EF4-FFF2-40B4-BE49-F238E27FC236}">
+                <a16:creationId xmlns:a16="http://schemas.microsoft.com/office/drawing/2014/main" id="{C0965DD0-1286-A98B-829C-61834E6EAA0C}"/>
+              </a:ext>
+            </a:extLst>
+          </p:cNvPr>
+          <p:cNvPicPr>
+            <a:picLocks noChangeAspect="1" noChangeArrowheads="1"/>
+          </p:cNvPicPr>
+          <p:nvPr/>
+        </p:nvPicPr>
+        <p:blipFill rotWithShape="1">
+          <a:blip r:embed="rId2">
+            <a:extLst>
+              <a:ext uri="{28A0092B-C50C-407E-A947-70E740481C1C}">
+                <a14:useLocalDpi xmlns:a14="http://schemas.microsoft.com/office/drawing/2010/main" val="0"/>
+              </a:ext>
+            </a:extLst>
+          </a:blip>
+          <a:srcRect l="13750" t="27676" r="13124" b="32183"/>
+          <a:stretch/>
+        </p:blipFill>
+        <p:spPr bwMode="auto">
+          <a:xfrm>
+            <a:off x="7696200" y="160734"/>
+            <a:ext cx="4037336" cy="1040606"/>
+          </a:xfrm>
+          <a:prstGeom prst="rect">
+            <a:avLst/>
+          </a:prstGeom>
+          <a:noFill/>
+          <a:extLst>
+            <a:ext uri="{909E8E84-426E-40DD-AFC4-6F175D3DCCD1}">
+              <a14:hiddenFill xmlns:a14="http://schemas.microsoft.com/office/drawing/2010/main">
+                <a:solidFill>
+                  <a:srgbClr val="FFFFFF"/>
+                </a:solidFill>
+              </a14:hiddenFill>
+            </a:ext>
+          </a:extLst>
+        </p:spPr>
+      </p:pic>
+    </p:spTree>
+    <p:extLst>
+      <p:ext uri="{BB962C8B-B14F-4D97-AF65-F5344CB8AC3E}">
+        <p14:creationId xmlns:p14="http://schemas.microsoft.com/office/powerpoint/2010/main" val="3378170601"/>
+      </p:ext>
+    </p:extLst>
+  </p:cSld>
+  <p:clrMapOvr>
+    <a:masterClrMapping/>
+  </p:clrMapOvr>
+</p:sld>
+</file>
+
+<file path=ppt/slides/slide29.xml><?xml version="1.0" encoding="utf-8"?>
+<p:sld xmlns:a="http://schemas.openxmlformats.org/drawingml/2006/main" xmlns:r="http://schemas.openxmlformats.org/officeDocument/2006/relationships" xmlns:p="http://schemas.openxmlformats.org/presentationml/2006/main">
+  <p:cSld>
+    <p:spTree>
+      <p:nvGrpSpPr>
+        <p:cNvPr id="1" name=""/>
+        <p:cNvGrpSpPr/>
+        <p:nvPr/>
+      </p:nvGrpSpPr>
+      <p:grpSpPr>
+        <a:xfrm>
+          <a:off x="0" y="0"/>
+          <a:ext cx="0" cy="0"/>
+          <a:chOff x="0" y="0"/>
+          <a:chExt cx="0" cy="0"/>
+        </a:xfrm>
+      </p:grpSpPr>
+      <p:pic>
+        <p:nvPicPr>
+          <p:cNvPr id="7" name="Picture 6">
+            <a:extLst>
+              <a:ext uri="{FF2B5EF4-FFF2-40B4-BE49-F238E27FC236}">
+                <a16:creationId xmlns:a16="http://schemas.microsoft.com/office/drawing/2014/main" id="{BA8DBF21-A8E8-39B1-A169-A64A2D0F2657}"/>
+              </a:ext>
+            </a:extLst>
+          </p:cNvPr>
+          <p:cNvPicPr>
+            <a:picLocks noChangeAspect="1"/>
+          </p:cNvPicPr>
+          <p:nvPr/>
+        </p:nvPicPr>
+        <p:blipFill>
+          <a:blip r:embed="rId2"/>
+          <a:stretch>
+            <a:fillRect/>
+          </a:stretch>
+        </p:blipFill>
+        <p:spPr>
+          <a:xfrm>
+            <a:off x="571500" y="571500"/>
+            <a:ext cx="6270701" cy="5524500"/>
+          </a:xfrm>
+          <a:prstGeom prst="rect">
+            <a:avLst/>
+          </a:prstGeom>
+        </p:spPr>
+      </p:pic>
+    </p:spTree>
+    <p:extLst>
+      <p:ext uri="{BB962C8B-B14F-4D97-AF65-F5344CB8AC3E}">
+        <p14:creationId xmlns:p14="http://schemas.microsoft.com/office/powerpoint/2010/main" val="4234651488"/>
       </p:ext>
     </p:extLst>
   </p:cSld>
@@ -6822,6 +7802,336 @@
     <p:extLst>
       <p:ext uri="{BB962C8B-B14F-4D97-AF65-F5344CB8AC3E}">
         <p14:creationId xmlns:p14="http://schemas.microsoft.com/office/powerpoint/2010/main" val="1842905812"/>
+      </p:ext>
+    </p:extLst>
+  </p:cSld>
+  <p:clrMapOvr>
+    <a:masterClrMapping/>
+  </p:clrMapOvr>
+</p:sld>
+</file>
+
+<file path=ppt/slides/slide30.xml><?xml version="1.0" encoding="utf-8"?>
+<p:sld xmlns:a="http://schemas.openxmlformats.org/drawingml/2006/main" xmlns:r="http://schemas.openxmlformats.org/officeDocument/2006/relationships" xmlns:p="http://schemas.openxmlformats.org/presentationml/2006/main">
+  <p:cSld>
+    <p:spTree>
+      <p:nvGrpSpPr>
+        <p:cNvPr id="1" name=""/>
+        <p:cNvGrpSpPr/>
+        <p:nvPr/>
+      </p:nvGrpSpPr>
+      <p:grpSpPr>
+        <a:xfrm>
+          <a:off x="0" y="0"/>
+          <a:ext cx="0" cy="0"/>
+          <a:chOff x="0" y="0"/>
+          <a:chExt cx="0" cy="0"/>
+        </a:xfrm>
+      </p:grpSpPr>
+      <p:sp>
+        <p:nvSpPr>
+          <p:cNvPr id="2" name="Title 1">
+            <a:extLst>
+              <a:ext uri="{FF2B5EF4-FFF2-40B4-BE49-F238E27FC236}">
+                <a16:creationId xmlns:a16="http://schemas.microsoft.com/office/drawing/2014/main" id="{8DF666D6-BB91-95AB-6C95-81A5AC32C72E}"/>
+              </a:ext>
+            </a:extLst>
+          </p:cNvPr>
+          <p:cNvSpPr>
+            <a:spLocks noGrp="1"/>
+          </p:cNvSpPr>
+          <p:nvPr>
+            <p:ph type="title"/>
+          </p:nvPr>
+        </p:nvSpPr>
+        <p:spPr/>
+        <p:txBody>
+          <a:bodyPr/>
+          <a:lstStyle/>
+          <a:p>
+            <a:r>
+              <a:rPr lang="en-US"/>
+              <a:t>16. Statsmodels</a:t>
+            </a:r>
+          </a:p>
+        </p:txBody>
+      </p:sp>
+      <p:sp>
+        <p:nvSpPr>
+          <p:cNvPr id="3" name="Content Placeholder 2">
+            <a:extLst>
+              <a:ext uri="{FF2B5EF4-FFF2-40B4-BE49-F238E27FC236}">
+                <a16:creationId xmlns:a16="http://schemas.microsoft.com/office/drawing/2014/main" id="{9A1A3F59-77FD-BD19-29CD-5853F0902283}"/>
+              </a:ext>
+            </a:extLst>
+          </p:cNvPr>
+          <p:cNvSpPr>
+            <a:spLocks noGrp="1"/>
+          </p:cNvSpPr>
+          <p:nvPr>
+            <p:ph idx="1"/>
+          </p:nvPr>
+        </p:nvSpPr>
+        <p:spPr/>
+        <p:txBody>
+          <a:bodyPr>
+            <a:normAutofit lnSpcReduction="10000"/>
+          </a:bodyPr>
+          <a:lstStyle/>
+          <a:p>
+            <a:r>
+              <a:rPr lang="vi-VN"/>
+              <a:t>Statsmodels là một thư viện mã nguồn mở cho Python, cung cấp các công cụ và phương pháp thống kê để phân tích dữ liệu. </a:t>
+            </a:r>
+            <a:endParaRPr lang="en-US"/>
+          </a:p>
+          <a:p>
+            <a:r>
+              <a:rPr lang="vi-VN"/>
+              <a:t>Nó cho phép người dùng thực hiện các tác vụ như hồi quy tuyến tính, hồi quy logistic, phân tích thời gian, và kiểm định giả thuyết. Statsmodels cung cấp các mô hình thống kê phong phú và dễ sử dụng, giúp người dùng hiểu rõ hơn về mối quan hệ giữa các biến trong dữ liệu. </a:t>
+            </a:r>
+            <a:endParaRPr lang="en-US"/>
+          </a:p>
+          <a:p>
+            <a:r>
+              <a:rPr lang="vi-VN"/>
+              <a:t>Thư viện này thường được sử dụng trong nghiên cứu kinh tế, khoa học xã hội và phân tích dữ liệu để cung cấp các phương pháp phân tích chuyên sâu và trực quan hóa kết quả thống kê.</a:t>
+            </a:r>
+            <a:endParaRPr lang="en-US"/>
+          </a:p>
+        </p:txBody>
+      </p:sp>
+      <p:sp>
+        <p:nvSpPr>
+          <p:cNvPr id="4" name="AutoShape 2" descr="statsmodels 0.14.4">
+            <a:extLst>
+              <a:ext uri="{FF2B5EF4-FFF2-40B4-BE49-F238E27FC236}">
+                <a16:creationId xmlns:a16="http://schemas.microsoft.com/office/drawing/2014/main" id="{2DF4C0FE-148C-D8EC-769F-FE7A620666A1}"/>
+              </a:ext>
+            </a:extLst>
+          </p:cNvPr>
+          <p:cNvSpPr>
+            <a:spLocks noChangeAspect="1" noChangeArrowheads="1"/>
+          </p:cNvSpPr>
+          <p:nvPr/>
+        </p:nvSpPr>
+        <p:spPr bwMode="auto">
+          <a:xfrm>
+            <a:off x="5943600" y="3276600"/>
+            <a:ext cx="304800" cy="304800"/>
+          </a:xfrm>
+          <a:prstGeom prst="rect">
+            <a:avLst/>
+          </a:prstGeom>
+          <a:noFill/>
+          <a:extLst>
+            <a:ext uri="{909E8E84-426E-40DD-AFC4-6F175D3DCCD1}">
+              <a14:hiddenFill xmlns:a14="http://schemas.microsoft.com/office/drawing/2010/main">
+                <a:solidFill>
+                  <a:srgbClr val="FFFFFF"/>
+                </a:solidFill>
+              </a14:hiddenFill>
+            </a:ext>
+          </a:extLst>
+        </p:spPr>
+        <p:txBody>
+          <a:bodyPr vert="horz" wrap="square" lIns="91440" tIns="45720" rIns="91440" bIns="45720" numCol="1" anchor="t" anchorCtr="0" compatLnSpc="1">
+            <a:prstTxWarp prst="textNoShape">
+              <a:avLst/>
+            </a:prstTxWarp>
+          </a:bodyPr>
+          <a:lstStyle/>
+          <a:p>
+            <a:endParaRPr lang="en-US"/>
+          </a:p>
+        </p:txBody>
+      </p:sp>
+      <p:sp>
+        <p:nvSpPr>
+          <p:cNvPr id="5" name="AutoShape 4" descr="statsmodels 0.14.4">
+            <a:extLst>
+              <a:ext uri="{FF2B5EF4-FFF2-40B4-BE49-F238E27FC236}">
+                <a16:creationId xmlns:a16="http://schemas.microsoft.com/office/drawing/2014/main" id="{A4482A61-7329-16D6-7A44-CB762FE48A39}"/>
+              </a:ext>
+            </a:extLst>
+          </p:cNvPr>
+          <p:cNvSpPr>
+            <a:spLocks noChangeAspect="1" noChangeArrowheads="1"/>
+          </p:cNvSpPr>
+          <p:nvPr/>
+        </p:nvSpPr>
+        <p:spPr bwMode="auto">
+          <a:xfrm>
+            <a:off x="6096000" y="3429000"/>
+            <a:ext cx="304800" cy="304800"/>
+          </a:xfrm>
+          <a:prstGeom prst="rect">
+            <a:avLst/>
+          </a:prstGeom>
+          <a:noFill/>
+          <a:extLst>
+            <a:ext uri="{909E8E84-426E-40DD-AFC4-6F175D3DCCD1}">
+              <a14:hiddenFill xmlns:a14="http://schemas.microsoft.com/office/drawing/2010/main">
+                <a:solidFill>
+                  <a:srgbClr val="FFFFFF"/>
+                </a:solidFill>
+              </a14:hiddenFill>
+            </a:ext>
+          </a:extLst>
+        </p:spPr>
+        <p:txBody>
+          <a:bodyPr vert="horz" wrap="square" lIns="91440" tIns="45720" rIns="91440" bIns="45720" numCol="1" anchor="t" anchorCtr="0" compatLnSpc="1">
+            <a:prstTxWarp prst="textNoShape">
+              <a:avLst/>
+            </a:prstTxWarp>
+          </a:bodyPr>
+          <a:lstStyle/>
+          <a:p>
+            <a:endParaRPr lang="en-US"/>
+          </a:p>
+        </p:txBody>
+      </p:sp>
+      <p:pic>
+        <p:nvPicPr>
+          <p:cNvPr id="8198" name="Picture 6" descr="Is statsmodels a suitable library to make predictions on new cases of  COV19? | by Crystal X | Artificial Intelligence in Plain English">
+            <a:extLst>
+              <a:ext uri="{FF2B5EF4-FFF2-40B4-BE49-F238E27FC236}">
+                <a16:creationId xmlns:a16="http://schemas.microsoft.com/office/drawing/2014/main" id="{45B3D84C-AE86-9039-41DC-ACD862781AEB}"/>
+              </a:ext>
+            </a:extLst>
+          </p:cNvPr>
+          <p:cNvPicPr>
+            <a:picLocks noChangeAspect="1" noChangeArrowheads="1"/>
+          </p:cNvPicPr>
+          <p:nvPr/>
+        </p:nvPicPr>
+        <p:blipFill>
+          <a:blip r:embed="rId2">
+            <a:extLst>
+              <a:ext uri="{28A0092B-C50C-407E-A947-70E740481C1C}">
+                <a14:useLocalDpi xmlns:a14="http://schemas.microsoft.com/office/drawing/2010/main" val="0"/>
+              </a:ext>
+            </a:extLst>
+          </a:blip>
+          <a:srcRect/>
+          <a:stretch>
+            <a:fillRect/>
+          </a:stretch>
+        </p:blipFill>
+        <p:spPr bwMode="auto">
+          <a:xfrm>
+            <a:off x="9144000" y="365125"/>
+            <a:ext cx="2357439" cy="928688"/>
+          </a:xfrm>
+          <a:prstGeom prst="rect">
+            <a:avLst/>
+          </a:prstGeom>
+          <a:noFill/>
+          <a:extLst>
+            <a:ext uri="{909E8E84-426E-40DD-AFC4-6F175D3DCCD1}">
+              <a14:hiddenFill xmlns:a14="http://schemas.microsoft.com/office/drawing/2010/main">
+                <a:solidFill>
+                  <a:srgbClr val="FFFFFF"/>
+                </a:solidFill>
+              </a14:hiddenFill>
+            </a:ext>
+          </a:extLst>
+        </p:spPr>
+      </p:pic>
+    </p:spTree>
+    <p:extLst>
+      <p:ext uri="{BB962C8B-B14F-4D97-AF65-F5344CB8AC3E}">
+        <p14:creationId xmlns:p14="http://schemas.microsoft.com/office/powerpoint/2010/main" val="3189822942"/>
+      </p:ext>
+    </p:extLst>
+  </p:cSld>
+  <p:clrMapOvr>
+    <a:masterClrMapping/>
+  </p:clrMapOvr>
+</p:sld>
+</file>
+
+<file path=ppt/slides/slide31.xml><?xml version="1.0" encoding="utf-8"?>
+<p:sld xmlns:a="http://schemas.openxmlformats.org/drawingml/2006/main" xmlns:r="http://schemas.openxmlformats.org/officeDocument/2006/relationships" xmlns:p="http://schemas.openxmlformats.org/presentationml/2006/main">
+  <p:cSld>
+    <p:spTree>
+      <p:nvGrpSpPr>
+        <p:cNvPr id="1" name=""/>
+        <p:cNvGrpSpPr/>
+        <p:nvPr/>
+      </p:nvGrpSpPr>
+      <p:grpSpPr>
+        <a:xfrm>
+          <a:off x="0" y="0"/>
+          <a:ext cx="0" cy="0"/>
+          <a:chOff x="0" y="0"/>
+          <a:chExt cx="0" cy="0"/>
+        </a:xfrm>
+      </p:grpSpPr>
+      <p:pic>
+        <p:nvPicPr>
+          <p:cNvPr id="5" name="Picture 4">
+            <a:extLst>
+              <a:ext uri="{FF2B5EF4-FFF2-40B4-BE49-F238E27FC236}">
+                <a16:creationId xmlns:a16="http://schemas.microsoft.com/office/drawing/2014/main" id="{6B1840D2-02CB-81BB-E05D-FEB44ED6EC3E}"/>
+              </a:ext>
+            </a:extLst>
+          </p:cNvPr>
+          <p:cNvPicPr>
+            <a:picLocks noChangeAspect="1"/>
+          </p:cNvPicPr>
+          <p:nvPr/>
+        </p:nvPicPr>
+        <p:blipFill>
+          <a:blip r:embed="rId2"/>
+          <a:stretch>
+            <a:fillRect/>
+          </a:stretch>
+        </p:blipFill>
+        <p:spPr>
+          <a:xfrm>
+            <a:off x="190500" y="152400"/>
+            <a:ext cx="6592220" cy="4829849"/>
+          </a:xfrm>
+          <a:prstGeom prst="rect">
+            <a:avLst/>
+          </a:prstGeom>
+        </p:spPr>
+      </p:pic>
+      <p:pic>
+        <p:nvPicPr>
+          <p:cNvPr id="7" name="Picture 6">
+            <a:extLst>
+              <a:ext uri="{FF2B5EF4-FFF2-40B4-BE49-F238E27FC236}">
+                <a16:creationId xmlns:a16="http://schemas.microsoft.com/office/drawing/2014/main" id="{AC925055-4501-1B23-10B6-C1C50711FA77}"/>
+              </a:ext>
+            </a:extLst>
+          </p:cNvPr>
+          <p:cNvPicPr>
+            <a:picLocks noChangeAspect="1"/>
+          </p:cNvPicPr>
+          <p:nvPr/>
+        </p:nvPicPr>
+        <p:blipFill>
+          <a:blip r:embed="rId3"/>
+          <a:stretch>
+            <a:fillRect/>
+          </a:stretch>
+        </p:blipFill>
+        <p:spPr>
+          <a:xfrm>
+            <a:off x="4713831" y="1333500"/>
+            <a:ext cx="7478169" cy="4582164"/>
+          </a:xfrm>
+          <a:prstGeom prst="rect">
+            <a:avLst/>
+          </a:prstGeom>
+        </p:spPr>
+      </p:pic>
+    </p:spTree>
+    <p:extLst>
+      <p:ext uri="{BB962C8B-B14F-4D97-AF65-F5344CB8AC3E}">
+        <p14:creationId xmlns:p14="http://schemas.microsoft.com/office/powerpoint/2010/main" val="2167323092"/>
       </p:ext>
     </p:extLst>
   </p:cSld>
